--- a/LogisticRegression.pptx
+++ b/LogisticRegression.pptx
@@ -1258,11 +1258,11 @@
           <a:p>
             <a:r>
               <a:rPr lang="en-US" dirty="0" smtClean="0"/>
-              <a:t>Mention that there’s research</a:t>
+              <a:t>It is stochastic, that is, the point it ends up is completely</a:t>
             </a:r>
             <a:r>
               <a:rPr lang="en-US" baseline="0" dirty="0" smtClean="0"/>
-              <a:t> that proves the correctness of SGD.</a:t>
+              <a:t> random and will differ by weight initialization and the order of training examples being examined.</a:t>
             </a:r>
             <a:endParaRPr lang="en-US" dirty="0"/>
           </a:p>
@@ -2295,61 +2295,6 @@
           <a:bodyPr/>
           <a:lstStyle/>
           <a:p>
-            <a:pPr marL="0" marR="0" indent="0" algn="l" defTabSz="457200" rtl="0" eaLnBrk="1" fontAlgn="auto" latinLnBrk="0" hangingPunct="1">
-              <a:lnSpc>
-                <a:spcPct val="100000"/>
-              </a:lnSpc>
-              <a:spcBef>
-                <a:spcPts val="0"/>
-              </a:spcBef>
-              <a:spcAft>
-                <a:spcPts val="0"/>
-              </a:spcAft>
-              <a:buClrTx/>
-              <a:buSzTx/>
-              <a:buFontTx/>
-              <a:buNone/>
-              <a:tabLst/>
-              <a:defRPr/>
-            </a:pPr>
-            <a:r>
-              <a:rPr lang="en-US" dirty="0" smtClean="0"/>
-              <a:t>Source: </a:t>
-            </a:r>
-            <a:r>
-              <a:rPr lang="en-US" dirty="0" smtClean="0">
-                <a:hlinkClick r:id="rId3"/>
-              </a:rPr>
-              <a:t>Weisstein, Eric W.</a:t>
-            </a:r>
-            <a:r>
-              <a:rPr lang="en-US" dirty="0" smtClean="0"/>
-              <a:t> "Sigmoid Function." From </a:t>
-            </a:r>
-            <a:r>
-              <a:rPr lang="en-US" i="1" dirty="0" smtClean="0">
-                <a:hlinkClick r:id="rId4"/>
-              </a:rPr>
-              <a:t>MathWorld</a:t>
-            </a:r>
-            <a:r>
-              <a:rPr lang="en-US" dirty="0" smtClean="0"/>
-              <a:t>--A Wolfram Web Resource. </a:t>
-            </a:r>
-            <a:r>
-              <a:rPr lang="en-US" dirty="0" smtClean="0">
-                <a:hlinkClick r:id="rId5"/>
-              </a:rPr>
-              <a:t>http://mathworld.wolfram.com/SigmoidFunction.html</a:t>
-            </a:r>
-            <a:endParaRPr lang="en-US" dirty="0" smtClean="0"/>
-          </a:p>
-          <a:p>
-            <a:endParaRPr lang="en-US" sz="1200" dirty="0" smtClean="0">
-              <a:cs typeface="Cambria Math"/>
-            </a:endParaRPr>
-          </a:p>
-          <a:p>
             <a:r>
               <a:rPr lang="en-US" sz="1200" dirty="0" smtClean="0">
                 <a:cs typeface="Cambria Math"/>
@@ -2360,7 +2305,13 @@
               <a:rPr lang="en-US" sz="1200" baseline="0" dirty="0" smtClean="0">
                 <a:cs typeface="Cambria Math"/>
               </a:rPr>
-              <a:t> that CDF of Normal distribution has sigmoid shape. Also mention that sigmoid function is a special case of the logistic function.</a:t>
+              <a:t> </a:t>
+            </a:r>
+            <a:r>
+              <a:rPr lang="en-US" sz="1200" baseline="0" dirty="0" smtClean="0">
+                <a:cs typeface="Cambria Math"/>
+              </a:rPr>
+              <a:t>that CDF of Normal distribution has sigmoid shape. Also mention that sigmoid function is a special case of the logistic function.</a:t>
             </a:r>
           </a:p>
           <a:p>
@@ -2487,12 +2438,12 @@
               <a:t> z = </a:t>
             </a:r>
             <a:r>
-              <a:rPr lang="en-US" baseline="0" dirty="0" err="1" smtClean="0"/>
-              <a:t>beta.x</a:t>
-            </a:r>
-            <a:r>
               <a:rPr lang="en-US" baseline="0" dirty="0" smtClean="0"/>
-              <a:t> and f(z) = sigmoid(z). Then give an intuitive feel about</a:t>
+              <a:t>dot product (beta, x) </a:t>
+            </a:r>
+            <a:r>
+              <a:rPr lang="en-US" baseline="0" dirty="0" smtClean="0"/>
+              <a:t>and f(z) = sigmoid(z). Then give an intuitive feel about</a:t>
             </a:r>
             <a:endParaRPr lang="en-US" dirty="0"/>
           </a:p>
@@ -2584,25 +2535,16 @@
             </a:r>
             <a:r>
               <a:rPr lang="en-US" baseline="0" dirty="0" smtClean="0"/>
-              <a:t> how we are mapping features and weights to probability using the upper diagram.</a:t>
-            </a:r>
-            <a:endParaRPr lang="en-US" dirty="0" smtClean="0"/>
-          </a:p>
-          <a:p>
-            <a:endParaRPr lang="en-US" dirty="0" smtClean="0"/>
-          </a:p>
-          <a:p>
-            <a:r>
-              <a:rPr lang="en-US" dirty="0" smtClean="0"/>
-              <a:t>Explain</a:t>
+              <a:t> </a:t>
             </a:r>
             <a:r>
               <a:rPr lang="en-US" baseline="0" dirty="0" smtClean="0"/>
-              <a:t> relationship between feature and weight vectors using the lower diagrams.</a:t>
-            </a:r>
-            <a:endParaRPr lang="en-US" dirty="0" smtClean="0"/>
-          </a:p>
-          <a:p>
+              <a:t>relationship between feature and weight vectors using the lower </a:t>
+            </a:r>
+            <a:r>
+              <a:rPr lang="en-US" baseline="0" dirty="0" smtClean="0"/>
+              <a:t>diagrams: ||x|| ||beta|| cos(theta)</a:t>
+            </a:r>
             <a:endParaRPr lang="en-US" dirty="0" smtClean="0"/>
           </a:p>
           <a:p>
@@ -2742,6 +2684,16 @@
           <a:bodyPr/>
           <a:lstStyle/>
           <a:p>
+            <a:r>
+              <a:rPr lang="en-US" dirty="0" smtClean="0"/>
+              <a:t>May be a diagram of the</a:t>
+            </a:r>
+            <a:r>
+              <a:rPr lang="en-US" baseline="0" dirty="0" smtClean="0"/>
+              <a:t> loss function?</a:t>
+            </a:r>
+          </a:p>
+          <a:p>
             <a:endParaRPr lang="en-US" dirty="0"/>
           </a:p>
         </p:txBody>
@@ -2832,15 +2784,7 @@
             </a:r>
             <a:r>
               <a:rPr lang="en-US" baseline="0" dirty="0" smtClean="0"/>
-              <a:t> precision and recall: Harmonic mean of precision and </a:t>
-            </a:r>
-            <a:r>
-              <a:rPr lang="en-US" baseline="0" smtClean="0"/>
-              <a:t>recall. https</a:t>
-            </a:r>
-            <a:r>
-              <a:rPr lang="en-US" baseline="0" dirty="0" smtClean="0"/>
-              <a:t>://en.wikipedia.org/wiki/F1_score. 2*p*r/(p + r). </a:t>
+              <a:t> precision and recall? Harmonic mean of precision and recall. https://en.wikipedia.org/wiki/F1_score. 2pr/(p + r). </a:t>
             </a:r>
             <a:endParaRPr lang="en-US" dirty="0" smtClean="0"/>
           </a:p>
@@ -8007,7 +7951,11 @@
           <a:p>
             <a:r>
               <a:rPr lang="en-US" dirty="0" smtClean="0"/>
-              <a:t>Measuring classification</a:t>
+              <a:t>Measuring </a:t>
+            </a:r>
+            <a:r>
+              <a:rPr lang="en-US" dirty="0" smtClean="0"/>
+              <a:t>Classification</a:t>
             </a:r>
             <a:endParaRPr lang="en-US" dirty="0"/>
           </a:p>
@@ -8091,7 +8039,7 @@
           <p:nvPr>
             <p:extLst>
               <p:ext uri="{D42A27DB-BD31-4B8C-83A1-F6EECF244321}">
-                <p14:modId xmlns:p14="http://schemas.microsoft.com/office/powerpoint/2010/main" val="2302601887"/>
+                <p14:modId xmlns:p14="http://schemas.microsoft.com/office/powerpoint/2010/main" val="2903266007"/>
               </p:ext>
             </p:extLst>
           </p:nvPr>
@@ -8145,11 +8093,16 @@
                     <a:bodyPr/>
                     <a:lstStyle/>
                     <a:p>
+                      <a:pPr algn="ctr"/>
                       <a:r>
-                        <a:rPr lang="en-US" dirty="0" smtClean="0"/>
-                        <a:t>y = 0</a:t>
+                        <a:rPr lang="en-US" b="1" dirty="0" smtClean="0"/>
+                        <a:t>True </a:t>
                       </a:r>
-                      <a:endParaRPr lang="en-US" dirty="0"/>
+                      <a:r>
+                        <a:rPr lang="en-US" b="1" dirty="0" smtClean="0"/>
+                        <a:t>= 0</a:t>
+                      </a:r>
+                      <a:endParaRPr lang="en-US" b="1" dirty="0"/>
                     </a:p>
                   </a:txBody>
                   <a:tcPr/>
@@ -8159,7 +8112,7 @@
                     <a:bodyPr/>
                     <a:lstStyle/>
                     <a:p>
-                      <a:pPr marL="0" marR="0" indent="0" algn="l" defTabSz="457200" rtl="0" eaLnBrk="1" fontAlgn="auto" latinLnBrk="0" hangingPunct="1">
+                      <a:pPr marL="0" marR="0" indent="0" algn="ctr" defTabSz="457200" rtl="0" eaLnBrk="1" fontAlgn="auto" latinLnBrk="0" hangingPunct="1">
                         <a:lnSpc>
                           <a:spcPct val="100000"/>
                         </a:lnSpc>
@@ -8177,8 +8130,12 @@
                         <a:defRPr/>
                       </a:pPr>
                       <a:r>
-                        <a:rPr lang="en-US" dirty="0" smtClean="0"/>
-                        <a:t>y = 1</a:t>
+                        <a:rPr lang="en-US" b="1" dirty="0" smtClean="0"/>
+                        <a:t>True </a:t>
+                      </a:r>
+                      <a:r>
+                        <a:rPr lang="en-US" b="1" dirty="0" smtClean="0"/>
+                        <a:t>= 1</a:t>
                       </a:r>
                     </a:p>
                   </a:txBody>
@@ -8196,7 +8153,7 @@
                     <a:bodyPr/>
                     <a:lstStyle/>
                     <a:p>
-                      <a:pPr marL="0" marR="0" indent="0" algn="l" defTabSz="457200" rtl="0" eaLnBrk="1" fontAlgn="auto" latinLnBrk="0" hangingPunct="1">
+                      <a:pPr marL="0" marR="0" indent="0" algn="ctr" defTabSz="457200" rtl="0" eaLnBrk="1" fontAlgn="auto" latinLnBrk="0" hangingPunct="1">
                         <a:lnSpc>
                           <a:spcPct val="100000"/>
                         </a:lnSpc>
@@ -8214,8 +8171,12 @@
                         <a:defRPr/>
                       </a:pPr>
                       <a:r>
-                        <a:rPr lang="en-US" dirty="0" smtClean="0"/>
-                        <a:t>f = 0</a:t>
+                        <a:rPr lang="en-US" b="1" dirty="0" smtClean="0"/>
+                        <a:t>Predicted </a:t>
+                      </a:r>
+                      <a:r>
+                        <a:rPr lang="en-US" b="1" dirty="0" smtClean="0"/>
+                        <a:t>= 0</a:t>
                       </a:r>
                     </a:p>
                   </a:txBody>
@@ -8277,7 +8238,7 @@
                     <a:bodyPr/>
                     <a:lstStyle/>
                     <a:p>
-                      <a:pPr marL="0" marR="0" indent="0" algn="l" defTabSz="457200" rtl="0" eaLnBrk="1" fontAlgn="auto" latinLnBrk="0" hangingPunct="1">
+                      <a:pPr marL="0" marR="0" indent="0" algn="ctr" defTabSz="457200" rtl="0" eaLnBrk="1" fontAlgn="auto" latinLnBrk="0" hangingPunct="1">
                         <a:lnSpc>
                           <a:spcPct val="100000"/>
                         </a:lnSpc>
@@ -8295,11 +8256,11 @@
                         <a:defRPr/>
                       </a:pPr>
                       <a:r>
-                        <a:rPr lang="en-US" dirty="0" smtClean="0"/>
-                        <a:t>f </a:t>
+                        <a:rPr lang="en-US" b="1" dirty="0" smtClean="0"/>
+                        <a:t>Predicted </a:t>
                       </a:r>
                       <a:r>
-                        <a:rPr lang="en-US" dirty="0" smtClean="0"/>
+                        <a:rPr lang="en-US" b="1" dirty="0" smtClean="0"/>
                         <a:t>= 1</a:t>
                       </a:r>
                     </a:p>
@@ -8424,7 +8385,7 @@
         </p:blipFill>
         <p:spPr>
           <a:xfrm>
-            <a:off x="2919412" y="3502960"/>
+            <a:off x="2919412" y="3514992"/>
             <a:ext cx="3305175" cy="857250"/>
           </a:xfrm>
           <a:prstGeom prst="rect">
@@ -9591,8 +9552,8 @@
           </a:p>
         </p:txBody>
       </p:sp>
-      <mc:AlternateContent xmlns:mc="http://schemas.openxmlformats.org/markup-compatibility/2006" xmlns:a14="http://schemas.microsoft.com/office/drawing/2010/main">
-        <mc:Choice Requires="a14">
+      <mc:AlternateContent xmlns:mc="http://schemas.openxmlformats.org/markup-compatibility/2006">
+        <mc:Choice xmlns:a14="http://schemas.microsoft.com/office/drawing/2010/main" Requires="a14">
           <p:sp>
             <p:nvSpPr>
               <p:cNvPr id="3" name="Content Placeholder 2"/>
@@ -9643,7 +9604,19 @@
                 </a:pPr>
                 <a:r>
                   <a:rPr lang="en-US" sz="2400" dirty="0" smtClean="0"/>
-                  <a:t>We want to minimize the loss function in order to learn the weights of features.</a:t>
+                  <a:t>We want to </a:t>
+                </a:r>
+                <a:r>
+                  <a:rPr lang="en-US" sz="2400" dirty="0" smtClean="0"/>
+                  <a:t>minimize </a:t>
+                </a:r>
+                <a:r>
+                  <a:rPr lang="en-US" sz="2400" dirty="0" smtClean="0"/>
+                  <a:t>an objective </a:t>
+                </a:r>
+                <a:r>
+                  <a:rPr lang="en-US" sz="2400" dirty="0" smtClean="0"/>
+                  <a:t>function in order to learn the weights of features.</a:t>
                 </a:r>
               </a:p>
               <a:p>
@@ -9658,7 +9631,23 @@
                 </a:pPr>
                 <a:r>
                   <a:rPr lang="en-US" sz="2400" dirty="0" smtClean="0"/>
-                  <a:t>Using gradient descent, we keep updating each weight by adding the respective negative partial derivative at an </a:t>
+                  <a:t>Using gradient descent, we keep updating each weight by </a:t>
+                </a:r>
+                <a:r>
+                  <a:rPr lang="en-US" sz="2400" dirty="0" smtClean="0"/>
+                  <a:t>adding </a:t>
+                </a:r>
+                <a:r>
+                  <a:rPr lang="en-US" sz="2400" dirty="0" smtClean="0"/>
+                  <a:t>the respective </a:t>
+                </a:r>
+                <a:r>
+                  <a:rPr lang="en-US" sz="2400" dirty="0" smtClean="0"/>
+                  <a:t>negative partial derivative at </a:t>
+                </a:r>
+                <a:r>
+                  <a:rPr lang="en-US" sz="2400" dirty="0" smtClean="0"/>
+                  <a:t>an </a:t>
                 </a:r>
                 <a:r>
                   <a:rPr lang="en-US" sz="2400" i="1" dirty="0" smtClean="0"/>
@@ -9898,7 +9887,7 @@
             </p:txBody>
           </p:sp>
         </mc:Choice>
-        <mc:Fallback xmlns="">
+        <mc:Fallback>
           <p:sp>
             <p:nvSpPr>
               <p:cNvPr id="3" name="Content Placeholder 2"/>
@@ -10320,8 +10309,8 @@
           </a:p>
         </p:txBody>
       </p:sp>
-      <mc:AlternateContent xmlns:mc="http://schemas.openxmlformats.org/markup-compatibility/2006" xmlns:a14="http://schemas.microsoft.com/office/drawing/2010/main">
-        <mc:Choice Requires="a14">
+      <mc:AlternateContent xmlns:mc="http://schemas.openxmlformats.org/markup-compatibility/2006">
+        <mc:Choice xmlns:a14="http://schemas.microsoft.com/office/drawing/2010/main" Requires="a14">
           <p:sp>
             <p:nvSpPr>
               <p:cNvPr id="3" name="Content Placeholder 2"/>
@@ -10425,7 +10414,21 @@
                     <a:latin typeface="Monaco"/>
                     <a:cs typeface="Monaco"/>
                   </a:rPr>
-                  <a:t>	gradient = `</a:t>
+                  <a:t>	gradient = </a:t>
+                </a:r>
+                <a:r>
+                  <a:rPr lang="en-US" sz="2000" dirty="0" smtClean="0">
+                    <a:latin typeface="Monaco"/>
+                    <a:cs typeface="Monaco"/>
+                  </a:rPr>
+                  <a:t>[0] * D</a:t>
+                </a:r>
+                <a:r>
+                  <a:rPr lang="en-US" sz="2000" dirty="0" smtClean="0">
+                    <a:latin typeface="Monaco"/>
+                    <a:cs typeface="Monaco"/>
+                  </a:rPr>
+                  <a:t/>
                 </a:r>
                 <a:br>
                   <a:rPr lang="en-US" sz="2000" dirty="0" smtClean="0">
@@ -10858,7 +10861,7 @@
             </p:txBody>
           </p:sp>
         </mc:Choice>
-        <mc:Fallback xmlns="">
+        <mc:Fallback>
           <p:sp>
             <p:nvSpPr>
               <p:cNvPr id="3" name="Content Placeholder 2"/>
@@ -10874,7 +10877,7 @@
                 <a:off x="183185" y="1600200"/>
                 <a:ext cx="8841745" cy="5257800"/>
               </a:xfrm>
-              <a:blipFill rotWithShape="0">
+              <a:blipFill>
                 <a:blip r:embed="rId3"/>
                 <a:stretch>
                   <a:fillRect l="-897" t="-1740" b="-1044"/>
@@ -11198,7 +11201,7 @@
         </p:spPr>
         <p:txBody>
           <a:bodyPr>
-            <a:normAutofit/>
+            <a:normAutofit lnSpcReduction="10000"/>
           </a:bodyPr>
           <a:lstStyle/>
           <a:p>
@@ -11234,17 +11237,55 @@
           <a:p>
             <a:r>
               <a:rPr lang="en-US" sz="2400" dirty="0" smtClean="0"/>
-              <a:t>If a function doesn’t have a minima then the algorithm can run forever because it will never “converge”.</a:t>
-            </a:r>
-          </a:p>
-          <a:p>
+              <a:t>If a function doesn’t have a minima then the algorithm can run forever because it will never “converge</a:t>
+            </a:r>
+            <a:r>
+              <a:rPr lang="en-US" sz="2400" dirty="0" smtClean="0"/>
+              <a:t>”.</a:t>
+            </a:r>
+          </a:p>
+          <a:p>
+            <a:pPr marL="0" indent="0">
+              <a:buNone/>
+            </a:pPr>
             <a:endParaRPr lang="en-US" sz="1000" dirty="0" smtClean="0"/>
           </a:p>
           <a:p>
             <a:r>
               <a:rPr lang="en-US" sz="2400" dirty="0" smtClean="0"/>
-              <a:t>It will only work for loss functions which are well-behaved, i.e. smooth loss functions that are differentiable everywhere.</a:t>
-            </a:r>
+              <a:t>You have to choose a learning rate.</a:t>
+            </a:r>
+            <a:endParaRPr lang="en-US" sz="2400" dirty="0" smtClean="0"/>
+          </a:p>
+          <a:p>
+            <a:endParaRPr lang="en-US" sz="1000" dirty="0" smtClean="0"/>
+          </a:p>
+          <a:p>
+            <a:r>
+              <a:rPr lang="en-US" sz="2400" dirty="0" smtClean="0"/>
+              <a:t>It </a:t>
+            </a:r>
+            <a:r>
+              <a:rPr lang="en-US" sz="2400" dirty="0" smtClean="0"/>
+              <a:t>works well </a:t>
+            </a:r>
+            <a:r>
+              <a:rPr lang="en-US" sz="2400" dirty="0" smtClean="0"/>
+              <a:t>for </a:t>
+            </a:r>
+            <a:r>
+              <a:rPr lang="en-US" sz="2400" dirty="0" smtClean="0"/>
+              <a:t>functions </a:t>
+            </a:r>
+            <a:r>
+              <a:rPr lang="en-US" sz="2400" dirty="0" smtClean="0"/>
+              <a:t>which are </a:t>
+            </a:r>
+            <a:r>
+              <a:rPr lang="en-US" sz="2400" dirty="0" smtClean="0"/>
+              <a:t>well-behaved.</a:t>
+            </a:r>
+            <a:endParaRPr lang="en-US" sz="2400" dirty="0" smtClean="0"/>
           </a:p>
           <a:p>
             <a:endParaRPr lang="en-US" sz="2400" dirty="0"/>
@@ -11541,6 +11582,55 @@
                       </p:childTnLst>
                     </p:cTn>
                   </p:par>
+                  <p:par>
+                    <p:cTn id="19" fill="hold">
+                      <p:stCondLst>
+                        <p:cond delay="indefinite"/>
+                      </p:stCondLst>
+                      <p:childTnLst>
+                        <p:par>
+                          <p:cTn id="20" fill="hold">
+                            <p:stCondLst>
+                              <p:cond delay="0"/>
+                            </p:stCondLst>
+                            <p:childTnLst>
+                              <p:par>
+                                <p:cTn id="21" presetID="1" presetClass="entr" presetSubtype="0" fill="hold" grpId="0" nodeType="clickEffect">
+                                  <p:stCondLst>
+                                    <p:cond delay="0"/>
+                                  </p:stCondLst>
+                                  <p:childTnLst>
+                                    <p:set>
+                                      <p:cBhvr>
+                                        <p:cTn id="22" dur="1" fill="hold">
+                                          <p:stCondLst>
+                                            <p:cond delay="0"/>
+                                          </p:stCondLst>
+                                        </p:cTn>
+                                        <p:tgtEl>
+                                          <p:spTgt spid="3">
+                                            <p:txEl>
+                                              <p:pRg st="11" end="11"/>
+                                            </p:txEl>
+                                          </p:spTgt>
+                                        </p:tgtEl>
+                                        <p:attrNameLst>
+                                          <p:attrName>style.visibility</p:attrName>
+                                        </p:attrNameLst>
+                                      </p:cBhvr>
+                                      <p:to>
+                                        <p:strVal val="visible"/>
+                                      </p:to>
+                                    </p:set>
+                                  </p:childTnLst>
+                                </p:cTn>
+                              </p:par>
+                            </p:childTnLst>
+                          </p:cTn>
+                        </p:par>
+                      </p:childTnLst>
+                    </p:cTn>
+                  </p:par>
                 </p:childTnLst>
               </p:cTn>
               <p:prevCondLst>
@@ -12010,57 +12100,33 @@
         </p:spPr>
         <p:txBody>
           <a:bodyPr>
-            <a:normAutofit fontScale="85000" lnSpcReduction="20000"/>
+            <a:normAutofit/>
           </a:bodyPr>
           <a:lstStyle/>
           <a:p>
             <a:r>
               <a:rPr lang="en-US" dirty="0" smtClean="0"/>
-              <a:t>Binary Classification</a:t>
-            </a:r>
+              <a:t>Motivation</a:t>
+            </a:r>
+            <a:endParaRPr lang="en-US" dirty="0" smtClean="0"/>
           </a:p>
           <a:p>
             <a:r>
               <a:rPr lang="en-US" dirty="0" smtClean="0"/>
-              <a:t>Motivating Logistic Regression</a:t>
-            </a:r>
+              <a:t>Logistic Regression</a:t>
+            </a:r>
+            <a:endParaRPr lang="en-US" dirty="0" smtClean="0"/>
           </a:p>
           <a:p>
             <a:r>
               <a:rPr lang="en-US" dirty="0" smtClean="0"/>
-              <a:t>Features and Labels</a:t>
-            </a:r>
-          </a:p>
-          <a:p>
+              <a:t>Gradient </a:t>
+            </a:r>
             <a:r>
               <a:rPr lang="en-US" dirty="0" smtClean="0"/>
-              <a:t>(Standard) Logistic Function</a:t>
-            </a:r>
-          </a:p>
-          <a:p>
-            <a:r>
-              <a:rPr lang="en-US" dirty="0"/>
-              <a:t>Logistic Regression</a:t>
+              <a:t>Descent</a:t>
             </a:r>
             <a:endParaRPr lang="en-US" dirty="0" smtClean="0"/>
-          </a:p>
-          <a:p>
-            <a:r>
-              <a:rPr lang="en-US" dirty="0" smtClean="0"/>
-              <a:t>Learning</a:t>
-            </a:r>
-          </a:p>
-          <a:p>
-            <a:r>
-              <a:rPr lang="en-US" dirty="0" smtClean="0"/>
-              <a:t>Gradient Descent</a:t>
-            </a:r>
-          </a:p>
-          <a:p>
-            <a:r>
-              <a:rPr lang="en-US" dirty="0" smtClean="0"/>
-              <a:t>Feature Scaling</a:t>
-            </a:r>
           </a:p>
           <a:p>
             <a:r>
@@ -12078,8 +12144,9 @@
           <a:p>
             <a:r>
               <a:rPr lang="en-US" dirty="0" smtClean="0"/>
-              <a:t>Multi-class Classification</a:t>
-            </a:r>
+              <a:t>Applications</a:t>
+            </a:r>
+            <a:endParaRPr lang="en-US" dirty="0" smtClean="0"/>
           </a:p>
           <a:p>
             <a:endParaRPr lang="en-US" dirty="0"/>
@@ -12181,14 +12248,14 @@
           <a:p>
             <a:r>
               <a:rPr lang="en-US" dirty="0" smtClean="0"/>
-              <a:t>Feature Scaling</a:t>
+              <a:t>Tip: Feature Scaling</a:t>
             </a:r>
             <a:endParaRPr lang="en-US" dirty="0"/>
           </a:p>
         </p:txBody>
       </p:sp>
-      <mc:AlternateContent xmlns:mc="http://schemas.openxmlformats.org/markup-compatibility/2006" xmlns:a14="http://schemas.microsoft.com/office/drawing/2010/main">
-        <mc:Choice Requires="a14">
+      <mc:AlternateContent xmlns:mc="http://schemas.openxmlformats.org/markup-compatibility/2006">
+        <mc:Choice xmlns:a14="http://schemas.microsoft.com/office/drawing/2010/main" Requires="a14">
           <p:sp>
             <p:nvSpPr>
               <p:cNvPr id="3" name="Content Placeholder 2"/>
@@ -12199,7 +12266,12 @@
                 <p:ph idx="1"/>
               </p:nvPr>
             </p:nvSpPr>
-            <p:spPr/>
+            <p:spPr>
+              <a:xfrm>
+                <a:off x="457200" y="1600200"/>
+                <a:ext cx="8229600" cy="4848726"/>
+              </a:xfrm>
+            </p:spPr>
             <p:txBody>
               <a:bodyPr>
                 <a:normAutofit fontScale="92500" lnSpcReduction="10000"/>
@@ -12380,8 +12452,19 @@
               <a:p>
                 <a:r>
                   <a:rPr lang="en-US" sz="2400" dirty="0" smtClean="0"/>
-                  <a:t>It also makes the model more interpretable since weights are comparable.</a:t>
-                </a:r>
+                  <a:t>It also makes the model more interpretable since weights are comparable</a:t>
+                </a:r>
+                <a:r>
+                  <a:rPr lang="en-US" sz="2400" dirty="0" smtClean="0"/>
+                  <a:t>.</a:t>
+                </a:r>
+              </a:p>
+              <a:p>
+                <a:r>
+                  <a:rPr lang="en-US" sz="2400" dirty="0" smtClean="0"/>
+                  <a:t>Regularization works well when features are scaled.</a:t>
+                </a:r>
+                <a:endParaRPr lang="en-US" sz="2400" dirty="0" smtClean="0"/>
               </a:p>
               <a:p>
                 <a:pPr marL="0" indent="0">
@@ -12392,7 +12475,7 @@
             </p:txBody>
           </p:sp>
         </mc:Choice>
-        <mc:Fallback xmlns="">
+        <mc:Fallback>
           <p:sp>
             <p:nvSpPr>
               <p:cNvPr id="3" name="Content Placeholder 2"/>
@@ -12404,10 +12487,14 @@
               </p:nvPr>
             </p:nvSpPr>
             <p:spPr>
-              <a:blipFill rotWithShape="0">
+              <a:xfrm>
+                <a:off x="457200" y="1600200"/>
+                <a:ext cx="8229600" cy="4848726"/>
+              </a:xfrm>
+              <a:blipFill>
                 <a:blip r:embed="rId3"/>
                 <a:stretch>
-                  <a:fillRect l="-963" t="-1752" r="-667"/>
+                  <a:fillRect l="-963" t="-1635" r="-667" b="-881"/>
                 </a:stretch>
               </a:blipFill>
             </p:spPr>
@@ -12740,6 +12827,55 @@
                       </p:childTnLst>
                     </p:cTn>
                   </p:par>
+                  <p:par>
+                    <p:cTn id="25" fill="hold">
+                      <p:stCondLst>
+                        <p:cond delay="indefinite"/>
+                      </p:stCondLst>
+                      <p:childTnLst>
+                        <p:par>
+                          <p:cTn id="26" fill="hold">
+                            <p:stCondLst>
+                              <p:cond delay="0"/>
+                            </p:stCondLst>
+                            <p:childTnLst>
+                              <p:par>
+                                <p:cTn id="27" presetID="1" presetClass="entr" presetSubtype="0" fill="hold" grpId="0" nodeType="clickEffect">
+                                  <p:stCondLst>
+                                    <p:cond delay="0"/>
+                                  </p:stCondLst>
+                                  <p:childTnLst>
+                                    <p:set>
+                                      <p:cBhvr>
+                                        <p:cTn id="28" dur="1" fill="hold">
+                                          <p:stCondLst>
+                                            <p:cond delay="0"/>
+                                          </p:stCondLst>
+                                        </p:cTn>
+                                        <p:tgtEl>
+                                          <p:spTgt spid="3">
+                                            <p:txEl>
+                                              <p:pRg st="8" end="8"/>
+                                            </p:txEl>
+                                          </p:spTgt>
+                                        </p:tgtEl>
+                                        <p:attrNameLst>
+                                          <p:attrName>style.visibility</p:attrName>
+                                        </p:attrNameLst>
+                                      </p:cBhvr>
+                                      <p:to>
+                                        <p:strVal val="visible"/>
+                                      </p:to>
+                                    </p:set>
+                                  </p:childTnLst>
+                                </p:cTn>
+                              </p:par>
+                            </p:childTnLst>
+                          </p:cTn>
+                        </p:par>
+                      </p:childTnLst>
+                    </p:cTn>
+                  </p:par>
                 </p:childTnLst>
               </p:cTn>
               <p:prevCondLst>
@@ -13167,8 +13303,18 @@
           <a:p>
             <a:r>
               <a:rPr lang="en-US" sz="2800" dirty="0" smtClean="0"/>
-              <a:t>Get more training data. More training data means the model trains on broader set of examples. This can help generalize better.</a:t>
-            </a:r>
+              <a:t>Get more training data. More training data means the model trains on broader set of examples. This can help generalize better</a:t>
+            </a:r>
+            <a:r>
+              <a:rPr lang="en-US" sz="2800" dirty="0" smtClean="0"/>
+              <a:t>.</a:t>
+            </a:r>
+          </a:p>
+          <a:p>
+            <a:pPr marL="0" indent="0">
+              <a:buNone/>
+            </a:pPr>
+            <a:endParaRPr lang="en-US" sz="1100" dirty="0" smtClean="0"/>
           </a:p>
           <a:p>
             <a:r>
@@ -13312,7 +13458,7 @@
                                         <p:tgtEl>
                                           <p:spTgt spid="3">
                                             <p:txEl>
-                                              <p:pRg st="1" end="1"/>
+                                              <p:pRg st="2" end="2"/>
                                             </p:txEl>
                                           </p:spTgt>
                                         </p:tgtEl>
@@ -13361,7 +13507,7 @@
                                         <p:tgtEl>
                                           <p:spTgt spid="3">
                                             <p:txEl>
-                                              <p:pRg st="3" end="3"/>
+                                              <p:pRg st="4" end="4"/>
                                             </p:txEl>
                                           </p:spTgt>
                                         </p:tgtEl>
@@ -13410,7 +13556,7 @@
                                         <p:tgtEl>
                                           <p:spTgt spid="3">
                                             <p:txEl>
-                                              <p:pRg st="5" end="5"/>
+                                              <p:pRg st="6" end="6"/>
                                             </p:txEl>
                                           </p:spTgt>
                                         </p:tgtEl>
@@ -21978,8 +22124,8 @@
         </p:nvSpPr>
         <p:spPr>
           <a:xfrm>
-            <a:off x="354158" y="3583689"/>
-            <a:ext cx="512919" cy="464018"/>
+            <a:off x="354158" y="3583688"/>
+            <a:ext cx="549556" cy="519205"/>
           </a:xfrm>
           <a:prstGeom prst="ellipse">
             <a:avLst/>
